--- a/PRIME/06_timeschedule_CNussbaum.pptx
+++ b/PRIME/06_timeschedule_CNussbaum.pptx
@@ -197,7 +197,7 @@
           <a:p>
             <a:fld id="{B061A044-314D-4329-9682-F6176F300576}" type="datetimeFigureOut">
               <a:rPr lang="en-US" smtClean="0"/>
-              <a:t>7/22/2025</a:t>
+              <a:t>7/24/2025</a:t>
             </a:fld>
             <a:endParaRPr lang="en-US"/>
           </a:p>
@@ -698,7 +698,7 @@
           <a:p>
             <a:fld id="{7733AE6D-9644-4FC2-AE05-59B9DC610BB8}" type="datetimeFigureOut">
               <a:rPr lang="en-US" smtClean="0"/>
-              <a:t>7/22/2025</a:t>
+              <a:t>7/24/2025</a:t>
             </a:fld>
             <a:endParaRPr lang="en-US"/>
           </a:p>
@@ -898,7 +898,7 @@
           <a:p>
             <a:fld id="{7733AE6D-9644-4FC2-AE05-59B9DC610BB8}" type="datetimeFigureOut">
               <a:rPr lang="en-US" smtClean="0"/>
-              <a:t>7/22/2025</a:t>
+              <a:t>7/24/2025</a:t>
             </a:fld>
             <a:endParaRPr lang="en-US"/>
           </a:p>
@@ -1108,7 +1108,7 @@
           <a:p>
             <a:fld id="{7733AE6D-9644-4FC2-AE05-59B9DC610BB8}" type="datetimeFigureOut">
               <a:rPr lang="en-US" smtClean="0"/>
-              <a:t>7/22/2025</a:t>
+              <a:t>7/24/2025</a:t>
             </a:fld>
             <a:endParaRPr lang="en-US"/>
           </a:p>
@@ -1308,7 +1308,7 @@
           <a:p>
             <a:fld id="{7733AE6D-9644-4FC2-AE05-59B9DC610BB8}" type="datetimeFigureOut">
               <a:rPr lang="en-US" smtClean="0"/>
-              <a:t>7/22/2025</a:t>
+              <a:t>7/24/2025</a:t>
             </a:fld>
             <a:endParaRPr lang="en-US"/>
           </a:p>
@@ -1584,7 +1584,7 @@
           <a:p>
             <a:fld id="{7733AE6D-9644-4FC2-AE05-59B9DC610BB8}" type="datetimeFigureOut">
               <a:rPr lang="en-US" smtClean="0"/>
-              <a:t>7/22/2025</a:t>
+              <a:t>7/24/2025</a:t>
             </a:fld>
             <a:endParaRPr lang="en-US"/>
           </a:p>
@@ -1852,7 +1852,7 @@
           <a:p>
             <a:fld id="{7733AE6D-9644-4FC2-AE05-59B9DC610BB8}" type="datetimeFigureOut">
               <a:rPr lang="en-US" smtClean="0"/>
-              <a:t>7/22/2025</a:t>
+              <a:t>7/24/2025</a:t>
             </a:fld>
             <a:endParaRPr lang="en-US"/>
           </a:p>
@@ -2267,7 +2267,7 @@
           <a:p>
             <a:fld id="{7733AE6D-9644-4FC2-AE05-59B9DC610BB8}" type="datetimeFigureOut">
               <a:rPr lang="en-US" smtClean="0"/>
-              <a:t>7/22/2025</a:t>
+              <a:t>7/24/2025</a:t>
             </a:fld>
             <a:endParaRPr lang="en-US"/>
           </a:p>
@@ -2409,7 +2409,7 @@
           <a:p>
             <a:fld id="{7733AE6D-9644-4FC2-AE05-59B9DC610BB8}" type="datetimeFigureOut">
               <a:rPr lang="en-US" smtClean="0"/>
-              <a:t>7/22/2025</a:t>
+              <a:t>7/24/2025</a:t>
             </a:fld>
             <a:endParaRPr lang="en-US"/>
           </a:p>
@@ -2522,7 +2522,7 @@
           <a:p>
             <a:fld id="{7733AE6D-9644-4FC2-AE05-59B9DC610BB8}" type="datetimeFigureOut">
               <a:rPr lang="en-US" smtClean="0"/>
-              <a:t>7/22/2025</a:t>
+              <a:t>7/24/2025</a:t>
             </a:fld>
             <a:endParaRPr lang="en-US"/>
           </a:p>
@@ -2835,7 +2835,7 @@
           <a:p>
             <a:fld id="{7733AE6D-9644-4FC2-AE05-59B9DC610BB8}" type="datetimeFigureOut">
               <a:rPr lang="en-US" smtClean="0"/>
-              <a:t>7/22/2025</a:t>
+              <a:t>7/24/2025</a:t>
             </a:fld>
             <a:endParaRPr lang="en-US"/>
           </a:p>
@@ -3124,7 +3124,7 @@
           <a:p>
             <a:fld id="{7733AE6D-9644-4FC2-AE05-59B9DC610BB8}" type="datetimeFigureOut">
               <a:rPr lang="en-US" smtClean="0"/>
-              <a:t>7/22/2025</a:t>
+              <a:t>7/24/2025</a:t>
             </a:fld>
             <a:endParaRPr lang="en-US"/>
           </a:p>
@@ -3367,7 +3367,7 @@
           <a:p>
             <a:fld id="{7733AE6D-9644-4FC2-AE05-59B9DC610BB8}" type="datetimeFigureOut">
               <a:rPr lang="en-US" smtClean="0"/>
-              <a:t>7/22/2025</a:t>
+              <a:t>7/24/2025</a:t>
             </a:fld>
             <a:endParaRPr lang="en-US"/>
           </a:p>
@@ -5909,15 +5909,15 @@
         </p:nvSpPr>
         <p:spPr>
           <a:xfrm>
-            <a:off x="454753" y="5442828"/>
-            <a:ext cx="4953000" cy="1015663"/>
+            <a:off x="454752" y="5442828"/>
+            <a:ext cx="8622135" cy="1200329"/>
           </a:xfrm>
           <a:prstGeom prst="rect">
             <a:avLst/>
           </a:prstGeom>
         </p:spPr>
         <p:txBody>
-          <a:bodyPr>
+          <a:bodyPr wrap="square">
             <a:spAutoFit/>
           </a:bodyPr>
           <a:lstStyle/>
@@ -5966,7 +5966,7 @@
                 <a:latin typeface="Calibri" panose="020F0502020204030204" pitchFamily="34" charset="0"/>
                 <a:ea typeface="Aptos" panose="02110004020202020204"/>
               </a:rPr>
-              <a:t>Hosting Institution: University College London, UK</a:t>
+              <a:t>Hosting Institutions: University College London, UK and Friedrich Schiller University Jena, Germany</a:t>
             </a:r>
             <a:br>
               <a:rPr lang="en-US" sz="1200" dirty="0">
@@ -5979,7 +5979,7 @@
                 <a:latin typeface="Calibri" panose="020F0502020204030204" pitchFamily="34" charset="0"/>
                 <a:ea typeface="Aptos" panose="02110004020202020204"/>
               </a:rPr>
-              <a:t>Scientific Mentors: Prof. Dr. Carolyn McGettigan &amp; Dr. Nadine </a:t>
+              <a:t>Scientific Mentors: Prof. Dr. Carolyn McGettigan (London), Dr. Nadine </a:t>
             </a:r>
             <a:r>
               <a:rPr lang="en-US" sz="1200" dirty="0" err="1">
@@ -5988,6 +5988,29 @@
               </a:rPr>
               <a:t>Lavan</a:t>
             </a:r>
+            <a:r>
+              <a:rPr lang="en-US" sz="1200" dirty="0">
+                <a:latin typeface="Calibri" panose="020F0502020204030204" pitchFamily="34" charset="0"/>
+                <a:ea typeface="Aptos" panose="02110004020202020204"/>
+              </a:rPr>
+              <a:t> (London), and Prof. Dr. Stefan R. </a:t>
+            </a:r>
+            <a:r>
+              <a:rPr lang="en-US" sz="1200" dirty="0" err="1">
+                <a:latin typeface="Calibri" panose="020F0502020204030204" pitchFamily="34" charset="0"/>
+                <a:ea typeface="Aptos" panose="02110004020202020204"/>
+              </a:rPr>
+              <a:t>Schweinberger</a:t>
+            </a:r>
+            <a:r>
+              <a:rPr lang="en-US" sz="1200" dirty="0">
+                <a:latin typeface="Calibri" panose="020F0502020204030204" pitchFamily="34" charset="0"/>
+                <a:ea typeface="Aptos" panose="02110004020202020204"/>
+              </a:rPr>
+              <a:t> (Jena)</a:t>
+            </a:r>
+          </a:p>
+          <a:p>
             <a:endParaRPr lang="de-DE" sz="1200" dirty="0"/>
           </a:p>
         </p:txBody>

--- a/PRIME/06_timeschedule_CNussbaum.pptx
+++ b/PRIME/06_timeschedule_CNussbaum.pptx
@@ -197,7 +197,7 @@
           <a:p>
             <a:fld id="{B061A044-314D-4329-9682-F6176F300576}" type="datetimeFigureOut">
               <a:rPr lang="en-US" smtClean="0"/>
-              <a:t>7/24/2025</a:t>
+              <a:t>7/25/2025</a:t>
             </a:fld>
             <a:endParaRPr lang="en-US"/>
           </a:p>
@@ -698,7 +698,7 @@
           <a:p>
             <a:fld id="{7733AE6D-9644-4FC2-AE05-59B9DC610BB8}" type="datetimeFigureOut">
               <a:rPr lang="en-US" smtClean="0"/>
-              <a:t>7/24/2025</a:t>
+              <a:t>7/25/2025</a:t>
             </a:fld>
             <a:endParaRPr lang="en-US"/>
           </a:p>
@@ -898,7 +898,7 @@
           <a:p>
             <a:fld id="{7733AE6D-9644-4FC2-AE05-59B9DC610BB8}" type="datetimeFigureOut">
               <a:rPr lang="en-US" smtClean="0"/>
-              <a:t>7/24/2025</a:t>
+              <a:t>7/25/2025</a:t>
             </a:fld>
             <a:endParaRPr lang="en-US"/>
           </a:p>
@@ -1108,7 +1108,7 @@
           <a:p>
             <a:fld id="{7733AE6D-9644-4FC2-AE05-59B9DC610BB8}" type="datetimeFigureOut">
               <a:rPr lang="en-US" smtClean="0"/>
-              <a:t>7/24/2025</a:t>
+              <a:t>7/25/2025</a:t>
             </a:fld>
             <a:endParaRPr lang="en-US"/>
           </a:p>
@@ -1308,7 +1308,7 @@
           <a:p>
             <a:fld id="{7733AE6D-9644-4FC2-AE05-59B9DC610BB8}" type="datetimeFigureOut">
               <a:rPr lang="en-US" smtClean="0"/>
-              <a:t>7/24/2025</a:t>
+              <a:t>7/25/2025</a:t>
             </a:fld>
             <a:endParaRPr lang="en-US"/>
           </a:p>
@@ -1584,7 +1584,7 @@
           <a:p>
             <a:fld id="{7733AE6D-9644-4FC2-AE05-59B9DC610BB8}" type="datetimeFigureOut">
               <a:rPr lang="en-US" smtClean="0"/>
-              <a:t>7/24/2025</a:t>
+              <a:t>7/25/2025</a:t>
             </a:fld>
             <a:endParaRPr lang="en-US"/>
           </a:p>
@@ -1852,7 +1852,7 @@
           <a:p>
             <a:fld id="{7733AE6D-9644-4FC2-AE05-59B9DC610BB8}" type="datetimeFigureOut">
               <a:rPr lang="en-US" smtClean="0"/>
-              <a:t>7/24/2025</a:t>
+              <a:t>7/25/2025</a:t>
             </a:fld>
             <a:endParaRPr lang="en-US"/>
           </a:p>
@@ -2267,7 +2267,7 @@
           <a:p>
             <a:fld id="{7733AE6D-9644-4FC2-AE05-59B9DC610BB8}" type="datetimeFigureOut">
               <a:rPr lang="en-US" smtClean="0"/>
-              <a:t>7/24/2025</a:t>
+              <a:t>7/25/2025</a:t>
             </a:fld>
             <a:endParaRPr lang="en-US"/>
           </a:p>
@@ -2409,7 +2409,7 @@
           <a:p>
             <a:fld id="{7733AE6D-9644-4FC2-AE05-59B9DC610BB8}" type="datetimeFigureOut">
               <a:rPr lang="en-US" smtClean="0"/>
-              <a:t>7/24/2025</a:t>
+              <a:t>7/25/2025</a:t>
             </a:fld>
             <a:endParaRPr lang="en-US"/>
           </a:p>
@@ -2522,7 +2522,7 @@
           <a:p>
             <a:fld id="{7733AE6D-9644-4FC2-AE05-59B9DC610BB8}" type="datetimeFigureOut">
               <a:rPr lang="en-US" smtClean="0"/>
-              <a:t>7/24/2025</a:t>
+              <a:t>7/25/2025</a:t>
             </a:fld>
             <a:endParaRPr lang="en-US"/>
           </a:p>
@@ -2835,7 +2835,7 @@
           <a:p>
             <a:fld id="{7733AE6D-9644-4FC2-AE05-59B9DC610BB8}" type="datetimeFigureOut">
               <a:rPr lang="en-US" smtClean="0"/>
-              <a:t>7/24/2025</a:t>
+              <a:t>7/25/2025</a:t>
             </a:fld>
             <a:endParaRPr lang="en-US"/>
           </a:p>
@@ -3124,7 +3124,7 @@
           <a:p>
             <a:fld id="{7733AE6D-9644-4FC2-AE05-59B9DC610BB8}" type="datetimeFigureOut">
               <a:rPr lang="en-US" smtClean="0"/>
-              <a:t>7/24/2025</a:t>
+              <a:t>7/25/2025</a:t>
             </a:fld>
             <a:endParaRPr lang="en-US"/>
           </a:p>
@@ -3367,7 +3367,7 @@
           <a:p>
             <a:fld id="{7733AE6D-9644-4FC2-AE05-59B9DC610BB8}" type="datetimeFigureOut">
               <a:rPr lang="en-US" smtClean="0"/>
-              <a:t>7/24/2025</a:t>
+              <a:t>7/25/2025</a:t>
             </a:fld>
             <a:endParaRPr lang="en-US"/>
           </a:p>
@@ -3800,7 +3800,7 @@
             <p:ph idx="1"/>
             <p:extLst>
               <p:ext uri="{D42A27DB-BD31-4B8C-83A1-F6EECF244321}">
-                <p14:modId xmlns:p14="http://schemas.microsoft.com/office/powerpoint/2010/main" val="1585608632"/>
+                <p14:modId xmlns:p14="http://schemas.microsoft.com/office/powerpoint/2010/main" val="3206246483"/>
               </p:ext>
             </p:extLst>
           </p:nvPr>
@@ -3951,6 +3951,9 @@
                     </a:p>
                   </a:txBody>
                   <a:tcPr marL="55721" marR="55721" marT="0" marB="0" anchor="ctr">
+                    <a:lnB w="38100" cmpd="sng">
+                      <a:noFill/>
+                    </a:lnB>
                     <a:solidFill>
                       <a:schemeClr val="accent1">
                         <a:lumMod val="50000"/>
@@ -4036,6 +4039,9 @@
                     </a:p>
                   </a:txBody>
                   <a:tcPr marL="55721" marR="55721" marT="0" marB="0" anchor="ctr">
+                    <a:lnB w="38100" cmpd="sng">
+                      <a:noFill/>
+                    </a:lnB>
                     <a:solidFill>
                       <a:schemeClr val="accent1">
                         <a:lumMod val="50000"/>
@@ -4098,6 +4104,9 @@
                     </a:p>
                   </a:txBody>
                   <a:tcPr marL="55721" marR="55721" marT="0" marB="0">
+                    <a:lnR w="12700" cmpd="sng">
+                      <a:noFill/>
+                    </a:lnR>
                     <a:solidFill>
                       <a:schemeClr val="accent1">
                         <a:lumMod val="50000"/>
@@ -4133,6 +4142,26 @@
                     </a:p>
                   </a:txBody>
                   <a:tcPr marL="55721" marR="55721" marT="0" marB="0" anchor="ctr">
+                    <a:lnL w="12700" cmpd="sng">
+                      <a:noFill/>
+                    </a:lnL>
+                    <a:lnR w="12700" cmpd="sng">
+                      <a:noFill/>
+                    </a:lnR>
+                    <a:lnT w="38100" cmpd="sng">
+                      <a:noFill/>
+                    </a:lnT>
+                    <a:lnB w="12700" cmpd="sng">
+                      <a:noFill/>
+                    </a:lnB>
+                    <a:lnTlToBr w="12700" cmpd="sng">
+                      <a:noFill/>
+                      <a:prstDash val="solid"/>
+                    </a:lnTlToBr>
+                    <a:lnBlToTr w="12700" cmpd="sng">
+                      <a:noFill/>
+                      <a:prstDash val="solid"/>
+                    </a:lnBlToTr>
                     <a:solidFill>
                       <a:schemeClr val="bg1">
                         <a:lumMod val="75000"/>
@@ -4168,6 +4197,26 @@
                     </a:p>
                   </a:txBody>
                   <a:tcPr marL="55721" marR="55721" marT="0" marB="0" anchor="ctr">
+                    <a:lnL w="12700" cmpd="sng">
+                      <a:noFill/>
+                    </a:lnL>
+                    <a:lnR w="12700" cmpd="sng">
+                      <a:noFill/>
+                    </a:lnR>
+                    <a:lnT w="38100" cmpd="sng">
+                      <a:noFill/>
+                    </a:lnT>
+                    <a:lnB w="12700" cmpd="sng">
+                      <a:noFill/>
+                    </a:lnB>
+                    <a:lnTlToBr w="12700" cmpd="sng">
+                      <a:noFill/>
+                      <a:prstDash val="solid"/>
+                    </a:lnTlToBr>
+                    <a:lnBlToTr w="12700" cmpd="sng">
+                      <a:noFill/>
+                      <a:prstDash val="solid"/>
+                    </a:lnBlToTr>
                     <a:solidFill>
                       <a:schemeClr val="bg1">
                         <a:lumMod val="75000"/>
@@ -4203,6 +4252,26 @@
                     </a:p>
                   </a:txBody>
                   <a:tcPr marL="55721" marR="55721" marT="0" marB="0" anchor="ctr">
+                    <a:lnL w="12700" cmpd="sng">
+                      <a:noFill/>
+                    </a:lnL>
+                    <a:lnR w="12700" cmpd="sng">
+                      <a:noFill/>
+                    </a:lnR>
+                    <a:lnT w="38100" cmpd="sng">
+                      <a:noFill/>
+                    </a:lnT>
+                    <a:lnB w="12700" cmpd="sng">
+                      <a:noFill/>
+                    </a:lnB>
+                    <a:lnTlToBr w="12700" cmpd="sng">
+                      <a:noFill/>
+                      <a:prstDash val="solid"/>
+                    </a:lnTlToBr>
+                    <a:lnBlToTr w="12700" cmpd="sng">
+                      <a:noFill/>
+                      <a:prstDash val="solid"/>
+                    </a:lnBlToTr>
                     <a:solidFill>
                       <a:schemeClr val="bg1">
                         <a:lumMod val="75000"/>
@@ -4238,6 +4307,26 @@
                     </a:p>
                   </a:txBody>
                   <a:tcPr marL="55721" marR="55721" marT="0" marB="0" anchor="ctr">
+                    <a:lnL w="12700" cmpd="sng">
+                      <a:noFill/>
+                    </a:lnL>
+                    <a:lnR w="12700" cmpd="sng">
+                      <a:noFill/>
+                    </a:lnR>
+                    <a:lnT w="38100" cmpd="sng">
+                      <a:noFill/>
+                    </a:lnT>
+                    <a:lnB w="12700" cmpd="sng">
+                      <a:noFill/>
+                    </a:lnB>
+                    <a:lnTlToBr w="12700" cmpd="sng">
+                      <a:noFill/>
+                      <a:prstDash val="solid"/>
+                    </a:lnTlToBr>
+                    <a:lnBlToTr w="12700" cmpd="sng">
+                      <a:noFill/>
+                      <a:prstDash val="solid"/>
+                    </a:lnBlToTr>
                     <a:solidFill>
                       <a:schemeClr val="bg1">
                         <a:lumMod val="75000"/>
@@ -4273,6 +4362,26 @@
                     </a:p>
                   </a:txBody>
                   <a:tcPr marL="55721" marR="55721" marT="0" marB="0" anchor="ctr">
+                    <a:lnL w="12700" cmpd="sng">
+                      <a:noFill/>
+                    </a:lnL>
+                    <a:lnR w="12700" cmpd="sng">
+                      <a:noFill/>
+                    </a:lnR>
+                    <a:lnT w="38100" cmpd="sng">
+                      <a:noFill/>
+                    </a:lnT>
+                    <a:lnB w="12700" cmpd="sng">
+                      <a:noFill/>
+                    </a:lnB>
+                    <a:lnTlToBr w="12700" cmpd="sng">
+                      <a:noFill/>
+                      <a:prstDash val="solid"/>
+                    </a:lnTlToBr>
+                    <a:lnBlToTr w="12700" cmpd="sng">
+                      <a:noFill/>
+                      <a:prstDash val="solid"/>
+                    </a:lnBlToTr>
                     <a:solidFill>
                       <a:schemeClr val="bg1">
                         <a:lumMod val="75000"/>
@@ -4308,6 +4417,26 @@
                     </a:p>
                   </a:txBody>
                   <a:tcPr marL="55721" marR="55721" marT="0" marB="0" anchor="ctr">
+                    <a:lnL w="12700" cmpd="sng">
+                      <a:noFill/>
+                    </a:lnL>
+                    <a:lnR w="12700" cmpd="sng">
+                      <a:noFill/>
+                    </a:lnR>
+                    <a:lnT w="38100" cmpd="sng">
+                      <a:noFill/>
+                    </a:lnT>
+                    <a:lnB w="12700" cmpd="sng">
+                      <a:noFill/>
+                    </a:lnB>
+                    <a:lnTlToBr w="12700" cmpd="sng">
+                      <a:noFill/>
+                      <a:prstDash val="solid"/>
+                    </a:lnTlToBr>
+                    <a:lnBlToTr w="12700" cmpd="sng">
+                      <a:noFill/>
+                      <a:prstDash val="solid"/>
+                    </a:lnBlToTr>
                     <a:solidFill>
                       <a:schemeClr val="bg1">
                         <a:lumMod val="75000"/>
@@ -4343,6 +4472,26 @@
                     </a:p>
                   </a:txBody>
                   <a:tcPr marL="55721" marR="55721" marT="0" marB="0" anchor="ctr">
+                    <a:lnL w="12700" cmpd="sng">
+                      <a:noFill/>
+                    </a:lnL>
+                    <a:lnR w="12700" cmpd="sng">
+                      <a:noFill/>
+                    </a:lnR>
+                    <a:lnT w="38100" cmpd="sng">
+                      <a:noFill/>
+                    </a:lnT>
+                    <a:lnB w="12700" cmpd="sng">
+                      <a:noFill/>
+                    </a:lnB>
+                    <a:lnTlToBr w="12700" cmpd="sng">
+                      <a:noFill/>
+                      <a:prstDash val="solid"/>
+                    </a:lnTlToBr>
+                    <a:lnBlToTr w="12700" cmpd="sng">
+                      <a:noFill/>
+                      <a:prstDash val="solid"/>
+                    </a:lnBlToTr>
                     <a:solidFill>
                       <a:schemeClr val="bg1">
                         <a:lumMod val="75000"/>
@@ -4378,6 +4527,26 @@
                     </a:p>
                   </a:txBody>
                   <a:tcPr marL="55721" marR="55721" marT="0" marB="0" anchor="ctr">
+                    <a:lnL w="12700" cmpd="sng">
+                      <a:noFill/>
+                    </a:lnL>
+                    <a:lnR w="12700" cmpd="sng">
+                      <a:noFill/>
+                    </a:lnR>
+                    <a:lnT w="38100" cmpd="sng">
+                      <a:noFill/>
+                    </a:lnT>
+                    <a:lnB w="12700" cmpd="sng">
+                      <a:noFill/>
+                    </a:lnB>
+                    <a:lnTlToBr w="12700" cmpd="sng">
+                      <a:noFill/>
+                      <a:prstDash val="solid"/>
+                    </a:lnTlToBr>
+                    <a:lnBlToTr w="12700" cmpd="sng">
+                      <a:noFill/>
+                      <a:prstDash val="solid"/>
+                    </a:lnBlToTr>
                     <a:solidFill>
                       <a:schemeClr val="bg1">
                         <a:lumMod val="75000"/>
@@ -4413,6 +4582,26 @@
                     </a:p>
                   </a:txBody>
                   <a:tcPr marL="55721" marR="55721" marT="0" marB="0" anchor="ctr">
+                    <a:lnL w="12700" cmpd="sng">
+                      <a:noFill/>
+                    </a:lnL>
+                    <a:lnR w="12700" cmpd="sng">
+                      <a:noFill/>
+                    </a:lnR>
+                    <a:lnT w="38100" cmpd="sng">
+                      <a:noFill/>
+                    </a:lnT>
+                    <a:lnB w="12700" cmpd="sng">
+                      <a:noFill/>
+                    </a:lnB>
+                    <a:lnTlToBr w="12700" cmpd="sng">
+                      <a:noFill/>
+                      <a:prstDash val="solid"/>
+                    </a:lnTlToBr>
+                    <a:lnBlToTr w="12700" cmpd="sng">
+                      <a:noFill/>
+                      <a:prstDash val="solid"/>
+                    </a:lnBlToTr>
                     <a:solidFill>
                       <a:schemeClr val="bg1">
                         <a:lumMod val="75000"/>
@@ -4557,6 +4746,9 @@
                     </a:p>
                   </a:txBody>
                   <a:tcPr marL="55721" marR="55721" marT="0" marB="0">
+                    <a:lnR w="12700" cmpd="sng">
+                      <a:noFill/>
+                    </a:lnR>
                     <a:solidFill>
                       <a:schemeClr val="accent1">
                         <a:lumMod val="50000"/>
@@ -4630,6 +4822,26 @@
                     </a:p>
                   </a:txBody>
                   <a:tcPr marL="55721" marR="55721" marT="0" marB="0" anchor="ctr">
+                    <a:lnL w="12700" cmpd="sng">
+                      <a:noFill/>
+                    </a:lnL>
+                    <a:lnR w="12700" cmpd="sng">
+                      <a:noFill/>
+                    </a:lnR>
+                    <a:lnT w="12700" cmpd="sng">
+                      <a:noFill/>
+                    </a:lnT>
+                    <a:lnB w="12700" cmpd="sng">
+                      <a:noFill/>
+                    </a:lnB>
+                    <a:lnTlToBr w="12700" cmpd="sng">
+                      <a:noFill/>
+                      <a:prstDash val="solid"/>
+                    </a:lnTlToBr>
+                    <a:lnBlToTr w="12700" cmpd="sng">
+                      <a:noFill/>
+                      <a:prstDash val="solid"/>
+                    </a:lnBlToTr>
                     <a:solidFill>
                       <a:srgbClr val="EDC4AB"/>
                     </a:solidFill>
@@ -4660,6 +4872,26 @@
                     </a:p>
                   </a:txBody>
                   <a:tcPr marL="55721" marR="55721" marT="0" marB="0" anchor="ctr">
+                    <a:lnL w="12700" cmpd="sng">
+                      <a:noFill/>
+                    </a:lnL>
+                    <a:lnR w="12700" cmpd="sng">
+                      <a:noFill/>
+                    </a:lnR>
+                    <a:lnT w="12700" cmpd="sng">
+                      <a:noFill/>
+                    </a:lnT>
+                    <a:lnB w="12700" cmpd="sng">
+                      <a:noFill/>
+                    </a:lnB>
+                    <a:lnTlToBr w="12700" cmpd="sng">
+                      <a:noFill/>
+                      <a:prstDash val="solid"/>
+                    </a:lnTlToBr>
+                    <a:lnBlToTr w="12700" cmpd="sng">
+                      <a:noFill/>
+                      <a:prstDash val="solid"/>
+                    </a:lnBlToTr>
                     <a:solidFill>
                       <a:srgbClr val="D6915A"/>
                     </a:solidFill>
@@ -4693,6 +4925,26 @@
                     </a:p>
                   </a:txBody>
                   <a:tcPr marL="55721" marR="55721" marT="0" marB="0" anchor="ctr">
+                    <a:lnL w="12700" cmpd="sng">
+                      <a:noFill/>
+                    </a:lnL>
+                    <a:lnR w="12700" cmpd="sng">
+                      <a:noFill/>
+                    </a:lnR>
+                    <a:lnT w="12700" cmpd="sng">
+                      <a:noFill/>
+                    </a:lnT>
+                    <a:lnB w="12700" cmpd="sng">
+                      <a:noFill/>
+                    </a:lnB>
+                    <a:lnTlToBr w="12700" cmpd="sng">
+                      <a:noFill/>
+                      <a:prstDash val="solid"/>
+                    </a:lnTlToBr>
+                    <a:lnBlToTr w="12700" cmpd="sng">
+                      <a:noFill/>
+                      <a:prstDash val="solid"/>
+                    </a:lnBlToTr>
                     <a:solidFill>
                       <a:srgbClr val="E0A67D"/>
                     </a:solidFill>
@@ -4745,6 +4997,26 @@
                     </a:p>
                   </a:txBody>
                   <a:tcPr marL="55721" marR="55721" marT="0" marB="0" anchor="ctr">
+                    <a:lnL w="12700" cmpd="sng">
+                      <a:noFill/>
+                    </a:lnL>
+                    <a:lnR w="12700" cmpd="sng">
+                      <a:noFill/>
+                    </a:lnR>
+                    <a:lnT w="12700" cmpd="sng">
+                      <a:noFill/>
+                    </a:lnT>
+                    <a:lnB w="12700" cmpd="sng">
+                      <a:noFill/>
+                    </a:lnB>
+                    <a:lnTlToBr w="12700" cmpd="sng">
+                      <a:noFill/>
+                      <a:prstDash val="solid"/>
+                    </a:lnTlToBr>
+                    <a:lnBlToTr w="12700" cmpd="sng">
+                      <a:noFill/>
+                      <a:prstDash val="solid"/>
+                    </a:lnBlToTr>
                     <a:solidFill>
                       <a:srgbClr val="EDC4AB"/>
                     </a:solidFill>
@@ -4778,6 +5050,26 @@
                     </a:p>
                   </a:txBody>
                   <a:tcPr marL="55721" marR="55721" marT="0" marB="0" anchor="ctr">
+                    <a:lnL w="12700" cmpd="sng">
+                      <a:noFill/>
+                    </a:lnL>
+                    <a:lnR w="12700" cmpd="sng">
+                      <a:noFill/>
+                    </a:lnR>
+                    <a:lnT w="12700" cmpd="sng">
+                      <a:noFill/>
+                    </a:lnT>
+                    <a:lnB w="12700" cmpd="sng">
+                      <a:noFill/>
+                    </a:lnB>
+                    <a:lnTlToBr w="12700" cmpd="sng">
+                      <a:noFill/>
+                      <a:prstDash val="solid"/>
+                    </a:lnTlToBr>
+                    <a:lnBlToTr w="12700" cmpd="sng">
+                      <a:noFill/>
+                      <a:prstDash val="solid"/>
+                    </a:lnBlToTr>
                     <a:solidFill>
                       <a:srgbClr val="F7E4D9"/>
                     </a:solidFill>
@@ -4820,6 +5112,26 @@
                     </a:p>
                   </a:txBody>
                   <a:tcPr marL="55721" marR="55721" marT="0" marB="0" anchor="ctr">
+                    <a:lnL w="12700" cmpd="sng">
+                      <a:noFill/>
+                    </a:lnL>
+                    <a:lnR w="12700" cmpd="sng">
+                      <a:noFill/>
+                    </a:lnR>
+                    <a:lnT w="12700" cmpd="sng">
+                      <a:noFill/>
+                    </a:lnT>
+                    <a:lnB w="12700" cmpd="sng">
+                      <a:noFill/>
+                    </a:lnB>
+                    <a:lnTlToBr w="12700" cmpd="sng">
+                      <a:noFill/>
+                      <a:prstDash val="solid"/>
+                    </a:lnTlToBr>
+                    <a:lnBlToTr w="12700" cmpd="sng">
+                      <a:noFill/>
+                      <a:prstDash val="solid"/>
+                    </a:lnBlToTr>
                     <a:solidFill>
                       <a:srgbClr val="FAEDE7"/>
                     </a:solidFill>
@@ -4853,6 +5165,26 @@
                     </a:p>
                   </a:txBody>
                   <a:tcPr marL="55721" marR="55721" marT="0" marB="0" anchor="ctr">
+                    <a:lnL w="12700" cmpd="sng">
+                      <a:noFill/>
+                    </a:lnL>
+                    <a:lnR w="12700" cmpd="sng">
+                      <a:noFill/>
+                    </a:lnR>
+                    <a:lnT w="12700" cmpd="sng">
+                      <a:noFill/>
+                    </a:lnT>
+                    <a:lnB w="12700" cmpd="sng">
+                      <a:noFill/>
+                    </a:lnB>
+                    <a:lnTlToBr w="12700" cmpd="sng">
+                      <a:noFill/>
+                      <a:prstDash val="solid"/>
+                    </a:lnTlToBr>
+                    <a:lnBlToTr w="12700" cmpd="sng">
+                      <a:noFill/>
+                      <a:prstDash val="solid"/>
+                    </a:lnBlToTr>
                     <a:solidFill>
                       <a:srgbClr val="FAEDE7"/>
                     </a:solidFill>
@@ -4886,6 +5218,26 @@
                     </a:p>
                   </a:txBody>
                   <a:tcPr marL="55721" marR="55721" marT="0" marB="0" anchor="ctr">
+                    <a:lnL w="12700" cmpd="sng">
+                      <a:noFill/>
+                    </a:lnL>
+                    <a:lnR w="12700" cmpd="sng">
+                      <a:noFill/>
+                    </a:lnR>
+                    <a:lnT w="12700" cmpd="sng">
+                      <a:noFill/>
+                    </a:lnT>
+                    <a:lnB w="12700" cmpd="sng">
+                      <a:noFill/>
+                    </a:lnB>
+                    <a:lnTlToBr w="12700" cmpd="sng">
+                      <a:noFill/>
+                      <a:prstDash val="solid"/>
+                    </a:lnTlToBr>
+                    <a:lnBlToTr w="12700" cmpd="sng">
+                      <a:noFill/>
+                      <a:prstDash val="solid"/>
+                    </a:lnBlToTr>
                     <a:solidFill>
                       <a:srgbClr val="FAEDE7"/>
                     </a:solidFill>
@@ -4919,6 +5271,26 @@
                     </a:p>
                   </a:txBody>
                   <a:tcPr marL="55721" marR="55721" marT="0" marB="0" anchor="ctr">
+                    <a:lnL w="12700" cmpd="sng">
+                      <a:noFill/>
+                    </a:lnL>
+                    <a:lnR w="12700" cmpd="sng">
+                      <a:noFill/>
+                    </a:lnR>
+                    <a:lnT w="12700" cmpd="sng">
+                      <a:noFill/>
+                    </a:lnT>
+                    <a:lnB w="12700" cmpd="sng">
+                      <a:noFill/>
+                    </a:lnB>
+                    <a:lnTlToBr w="12700" cmpd="sng">
+                      <a:noFill/>
+                      <a:prstDash val="solid"/>
+                    </a:lnTlToBr>
+                    <a:lnBlToTr w="12700" cmpd="sng">
+                      <a:noFill/>
+                      <a:prstDash val="solid"/>
+                    </a:lnBlToTr>
                     <a:solidFill>
                       <a:srgbClr val="FAEDE7"/>
                     </a:solidFill>
@@ -5017,6 +5389,9 @@
                     </a:p>
                   </a:txBody>
                   <a:tcPr marL="55721" marR="55721" marT="0" marB="0">
+                    <a:lnR w="12700" cmpd="sng">
+                      <a:noFill/>
+                    </a:lnR>
                     <a:solidFill>
                       <a:schemeClr val="accent1">
                         <a:lumMod val="50000"/>
@@ -5052,6 +5427,26 @@
                     </a:p>
                   </a:txBody>
                   <a:tcPr marL="55721" marR="55721" marT="0" marB="0" anchor="ctr">
+                    <a:lnL w="12700" cmpd="sng">
+                      <a:noFill/>
+                    </a:lnL>
+                    <a:lnR w="12700" cmpd="sng">
+                      <a:noFill/>
+                    </a:lnR>
+                    <a:lnT w="12700" cmpd="sng">
+                      <a:noFill/>
+                    </a:lnT>
+                    <a:lnB w="12700" cmpd="sng">
+                      <a:noFill/>
+                    </a:lnB>
+                    <a:lnTlToBr w="12700" cmpd="sng">
+                      <a:noFill/>
+                      <a:prstDash val="solid"/>
+                    </a:lnTlToBr>
+                    <a:lnBlToTr w="12700" cmpd="sng">
+                      <a:noFill/>
+                      <a:prstDash val="solid"/>
+                    </a:lnBlToTr>
                     <a:solidFill>
                       <a:srgbClr val="EDF0FC"/>
                     </a:solidFill>
@@ -5085,6 +5480,26 @@
                     </a:p>
                   </a:txBody>
                   <a:tcPr marL="55721" marR="55721" marT="0" marB="0" anchor="ctr">
+                    <a:lnL w="12700" cmpd="sng">
+                      <a:noFill/>
+                    </a:lnL>
+                    <a:lnR w="12700" cmpd="sng">
+                      <a:noFill/>
+                    </a:lnR>
+                    <a:lnT w="12700" cmpd="sng">
+                      <a:noFill/>
+                    </a:lnT>
+                    <a:lnB w="12700" cmpd="sng">
+                      <a:noFill/>
+                    </a:lnB>
+                    <a:lnTlToBr w="12700" cmpd="sng">
+                      <a:noFill/>
+                      <a:prstDash val="solid"/>
+                    </a:lnTlToBr>
+                    <a:lnBlToTr w="12700" cmpd="sng">
+                      <a:noFill/>
+                      <a:prstDash val="solid"/>
+                    </a:lnBlToTr>
                     <a:solidFill>
                       <a:srgbClr val="EDF0FC"/>
                     </a:solidFill>
@@ -5118,6 +5533,26 @@
                     </a:p>
                   </a:txBody>
                   <a:tcPr marL="55721" marR="55721" marT="0" marB="0" anchor="ctr">
+                    <a:lnL w="12700" cmpd="sng">
+                      <a:noFill/>
+                    </a:lnL>
+                    <a:lnR w="12700" cmpd="sng">
+                      <a:noFill/>
+                    </a:lnR>
+                    <a:lnT w="12700" cmpd="sng">
+                      <a:noFill/>
+                    </a:lnT>
+                    <a:lnB w="12700" cmpd="sng">
+                      <a:noFill/>
+                    </a:lnB>
+                    <a:lnTlToBr w="12700" cmpd="sng">
+                      <a:noFill/>
+                      <a:prstDash val="solid"/>
+                    </a:lnTlToBr>
+                    <a:lnBlToTr w="12700" cmpd="sng">
+                      <a:noFill/>
+                      <a:prstDash val="solid"/>
+                    </a:lnBlToTr>
                     <a:solidFill>
                       <a:srgbClr val="CED3EA"/>
                     </a:solidFill>
@@ -5151,6 +5586,26 @@
                     </a:p>
                   </a:txBody>
                   <a:tcPr marL="55721" marR="55721" marT="0" marB="0" anchor="ctr">
+                    <a:lnL w="12700" cmpd="sng">
+                      <a:noFill/>
+                    </a:lnL>
+                    <a:lnR w="12700" cmpd="sng">
+                      <a:noFill/>
+                    </a:lnR>
+                    <a:lnT w="12700" cmpd="sng">
+                      <a:noFill/>
+                    </a:lnT>
+                    <a:lnB w="12700" cmpd="sng">
+                      <a:noFill/>
+                    </a:lnB>
+                    <a:lnTlToBr w="12700" cmpd="sng">
+                      <a:noFill/>
+                      <a:prstDash val="solid"/>
+                    </a:lnTlToBr>
+                    <a:lnBlToTr w="12700" cmpd="sng">
+                      <a:noFill/>
+                      <a:prstDash val="solid"/>
+                    </a:lnBlToTr>
                     <a:solidFill>
                       <a:srgbClr val="A1A9D1"/>
                     </a:solidFill>
@@ -5181,6 +5636,26 @@
                     </a:p>
                   </a:txBody>
                   <a:tcPr marL="55721" marR="55721" marT="0" marB="0" anchor="ctr">
+                    <a:lnL w="12700" cmpd="sng">
+                      <a:noFill/>
+                    </a:lnL>
+                    <a:lnR w="12700" cmpd="sng">
+                      <a:noFill/>
+                    </a:lnR>
+                    <a:lnT w="12700" cmpd="sng">
+                      <a:noFill/>
+                    </a:lnT>
+                    <a:lnB w="12700" cmpd="sng">
+                      <a:noFill/>
+                    </a:lnB>
+                    <a:lnTlToBr w="12700" cmpd="sng">
+                      <a:noFill/>
+                      <a:prstDash val="solid"/>
+                    </a:lnTlToBr>
+                    <a:lnBlToTr w="12700" cmpd="sng">
+                      <a:noFill/>
+                      <a:prstDash val="solid"/>
+                    </a:lnBlToTr>
                     <a:solidFill>
                       <a:srgbClr val="7481BA"/>
                     </a:solidFill>
@@ -5214,6 +5689,26 @@
                     </a:p>
                   </a:txBody>
                   <a:tcPr marL="55721" marR="55721" marT="0" marB="0" anchor="ctr">
+                    <a:lnL w="12700" cmpd="sng">
+                      <a:noFill/>
+                    </a:lnL>
+                    <a:lnR w="12700" cmpd="sng">
+                      <a:noFill/>
+                    </a:lnR>
+                    <a:lnT w="12700" cmpd="sng">
+                      <a:noFill/>
+                    </a:lnT>
+                    <a:lnB w="12700" cmpd="sng">
+                      <a:noFill/>
+                    </a:lnB>
+                    <a:lnTlToBr w="12700" cmpd="sng">
+                      <a:noFill/>
+                      <a:prstDash val="solid"/>
+                    </a:lnTlToBr>
+                    <a:lnBlToTr w="12700" cmpd="sng">
+                      <a:noFill/>
+                      <a:prstDash val="solid"/>
+                    </a:lnBlToTr>
                     <a:solidFill>
                       <a:srgbClr val="A1A9D1"/>
                     </a:solidFill>
@@ -5266,6 +5761,26 @@
                     </a:p>
                   </a:txBody>
                   <a:tcPr marL="55721" marR="55721" marT="0" marB="0" anchor="ctr">
+                    <a:lnL w="12700" cmpd="sng">
+                      <a:noFill/>
+                    </a:lnL>
+                    <a:lnR w="12700" cmpd="sng">
+                      <a:noFill/>
+                    </a:lnR>
+                    <a:lnT w="12700" cmpd="sng">
+                      <a:noFill/>
+                    </a:lnT>
+                    <a:lnB w="12700" cmpd="sng">
+                      <a:noFill/>
+                    </a:lnB>
+                    <a:lnTlToBr w="12700" cmpd="sng">
+                      <a:noFill/>
+                      <a:prstDash val="solid"/>
+                    </a:lnTlToBr>
+                    <a:lnBlToTr w="12700" cmpd="sng">
+                      <a:noFill/>
+                      <a:prstDash val="solid"/>
+                    </a:lnBlToTr>
                     <a:solidFill>
                       <a:srgbClr val="CED3EA"/>
                     </a:solidFill>
@@ -5299,6 +5814,26 @@
                     </a:p>
                   </a:txBody>
                   <a:tcPr marL="55721" marR="55721" marT="0" marB="0" anchor="ctr">
+                    <a:lnL w="12700" cmpd="sng">
+                      <a:noFill/>
+                    </a:lnL>
+                    <a:lnR w="12700" cmpd="sng">
+                      <a:noFill/>
+                    </a:lnR>
+                    <a:lnT w="12700" cmpd="sng">
+                      <a:noFill/>
+                    </a:lnT>
+                    <a:lnB w="12700" cmpd="sng">
+                      <a:noFill/>
+                    </a:lnB>
+                    <a:lnTlToBr w="12700" cmpd="sng">
+                      <a:noFill/>
+                      <a:prstDash val="solid"/>
+                    </a:lnTlToBr>
+                    <a:lnBlToTr w="12700" cmpd="sng">
+                      <a:noFill/>
+                      <a:prstDash val="solid"/>
+                    </a:lnBlToTr>
                     <a:solidFill>
                       <a:srgbClr val="DEE1F3"/>
                     </a:solidFill>
@@ -5323,6 +5858,26 @@
                     </a:p>
                   </a:txBody>
                   <a:tcPr marL="55721" marR="55721" marT="0" marB="0" anchor="ctr">
+                    <a:lnL w="12700" cmpd="sng">
+                      <a:noFill/>
+                    </a:lnL>
+                    <a:lnR w="12700" cmpd="sng">
+                      <a:noFill/>
+                    </a:lnR>
+                    <a:lnT w="12700" cmpd="sng">
+                      <a:noFill/>
+                    </a:lnT>
+                    <a:lnB w="12700" cmpd="sng">
+                      <a:noFill/>
+                    </a:lnB>
+                    <a:lnTlToBr w="12700" cmpd="sng">
+                      <a:noFill/>
+                      <a:prstDash val="solid"/>
+                    </a:lnTlToBr>
+                    <a:lnBlToTr w="12700" cmpd="sng">
+                      <a:noFill/>
+                      <a:prstDash val="solid"/>
+                    </a:lnBlToTr>
                     <a:solidFill>
                       <a:srgbClr val="EDF0FC"/>
                     </a:solidFill>
@@ -5440,6 +5995,9 @@
                     </a:p>
                   </a:txBody>
                   <a:tcPr marL="55721" marR="55721" marT="0" marB="0">
+                    <a:lnR w="12700" cmpd="sng">
+                      <a:noFill/>
+                    </a:lnR>
                     <a:solidFill>
                       <a:schemeClr val="accent1">
                         <a:lumMod val="50000"/>
@@ -5475,6 +6033,26 @@
                     </a:p>
                   </a:txBody>
                   <a:tcPr marL="55721" marR="55721" marT="0" marB="0" anchor="ctr">
+                    <a:lnL w="12700" cmpd="sng">
+                      <a:noFill/>
+                    </a:lnL>
+                    <a:lnR w="12700" cmpd="sng">
+                      <a:noFill/>
+                    </a:lnR>
+                    <a:lnT w="12700" cmpd="sng">
+                      <a:noFill/>
+                    </a:lnT>
+                    <a:lnB w="12700" cmpd="sng">
+                      <a:noFill/>
+                    </a:lnB>
+                    <a:lnTlToBr w="12700" cmpd="sng">
+                      <a:noFill/>
+                      <a:prstDash val="solid"/>
+                    </a:lnTlToBr>
+                    <a:lnBlToTr w="12700" cmpd="sng">
+                      <a:noFill/>
+                      <a:prstDash val="solid"/>
+                    </a:lnBlToTr>
                     <a:solidFill>
                       <a:srgbClr val="ECCDCA"/>
                     </a:solidFill>
@@ -5508,6 +6086,26 @@
                     </a:p>
                   </a:txBody>
                   <a:tcPr marL="55721" marR="55721" marT="0" marB="0" anchor="ctr">
+                    <a:lnL w="12700" cmpd="sng">
+                      <a:noFill/>
+                    </a:lnL>
+                    <a:lnR w="12700" cmpd="sng">
+                      <a:noFill/>
+                    </a:lnR>
+                    <a:lnT w="12700" cmpd="sng">
+                      <a:noFill/>
+                    </a:lnT>
+                    <a:lnB w="12700" cmpd="sng">
+                      <a:noFill/>
+                    </a:lnB>
+                    <a:lnTlToBr w="12700" cmpd="sng">
+                      <a:noFill/>
+                      <a:prstDash val="solid"/>
+                    </a:lnTlToBr>
+                    <a:lnBlToTr w="12700" cmpd="sng">
+                      <a:noFill/>
+                      <a:prstDash val="solid"/>
+                    </a:lnBlToTr>
                     <a:solidFill>
                       <a:srgbClr val="DAAEAA"/>
                     </a:solidFill>
@@ -5541,6 +6139,26 @@
                     </a:p>
                   </a:txBody>
                   <a:tcPr marL="55721" marR="55721" marT="0" marB="0" anchor="ctr">
+                    <a:lnL w="12700" cmpd="sng">
+                      <a:noFill/>
+                    </a:lnL>
+                    <a:lnR w="12700" cmpd="sng">
+                      <a:noFill/>
+                    </a:lnR>
+                    <a:lnT w="12700" cmpd="sng">
+                      <a:noFill/>
+                    </a:lnT>
+                    <a:lnB w="12700" cmpd="sng">
+                      <a:noFill/>
+                    </a:lnB>
+                    <a:lnTlToBr w="12700" cmpd="sng">
+                      <a:noFill/>
+                      <a:prstDash val="solid"/>
+                    </a:lnTlToBr>
+                    <a:lnBlToTr w="12700" cmpd="sng">
+                      <a:noFill/>
+                      <a:prstDash val="solid"/>
+                    </a:lnBlToTr>
                     <a:solidFill>
                       <a:srgbClr val="C98E8B"/>
                     </a:solidFill>
@@ -5574,6 +6192,26 @@
                     </a:p>
                   </a:txBody>
                   <a:tcPr marL="55721" marR="55721" marT="0" marB="0" anchor="ctr">
+                    <a:lnL w="12700" cmpd="sng">
+                      <a:noFill/>
+                    </a:lnL>
+                    <a:lnR w="12700" cmpd="sng">
+                      <a:noFill/>
+                    </a:lnR>
+                    <a:lnT w="12700" cmpd="sng">
+                      <a:noFill/>
+                    </a:lnT>
+                    <a:lnB w="12700" cmpd="sng">
+                      <a:noFill/>
+                    </a:lnB>
+                    <a:lnTlToBr w="12700" cmpd="sng">
+                      <a:noFill/>
+                      <a:prstDash val="solid"/>
+                    </a:lnTlToBr>
+                    <a:lnBlToTr w="12700" cmpd="sng">
+                      <a:noFill/>
+                      <a:prstDash val="solid"/>
+                    </a:lnBlToTr>
                     <a:solidFill>
                       <a:srgbClr val="AE615E"/>
                     </a:solidFill>
@@ -5607,6 +6245,26 @@
                     </a:p>
                   </a:txBody>
                   <a:tcPr marL="55721" marR="55721" marT="0" marB="0" anchor="ctr">
+                    <a:lnL w="12700" cmpd="sng">
+                      <a:noFill/>
+                    </a:lnL>
+                    <a:lnR w="12700" cmpd="sng">
+                      <a:noFill/>
+                    </a:lnR>
+                    <a:lnT w="12700" cmpd="sng">
+                      <a:noFill/>
+                    </a:lnT>
+                    <a:lnB w="12700" cmpd="sng">
+                      <a:noFill/>
+                    </a:lnB>
+                    <a:lnTlToBr w="12700" cmpd="sng">
+                      <a:noFill/>
+                      <a:prstDash val="solid"/>
+                    </a:lnTlToBr>
+                    <a:lnBlToTr w="12700" cmpd="sng">
+                      <a:noFill/>
+                      <a:prstDash val="solid"/>
+                    </a:lnBlToTr>
                     <a:solidFill>
                       <a:srgbClr val="AE615E"/>
                     </a:solidFill>
@@ -5640,6 +6298,26 @@
                     </a:p>
                   </a:txBody>
                   <a:tcPr marL="55721" marR="55721" marT="0" marB="0" anchor="ctr">
+                    <a:lnL w="12700" cmpd="sng">
+                      <a:noFill/>
+                    </a:lnL>
+                    <a:lnR w="12700" cmpd="sng">
+                      <a:noFill/>
+                    </a:lnR>
+                    <a:lnT w="12700" cmpd="sng">
+                      <a:noFill/>
+                    </a:lnT>
+                    <a:lnB w="12700" cmpd="sng">
+                      <a:noFill/>
+                    </a:lnB>
+                    <a:lnTlToBr w="12700" cmpd="sng">
+                      <a:noFill/>
+                      <a:prstDash val="solid"/>
+                    </a:lnTlToBr>
+                    <a:lnBlToTr w="12700" cmpd="sng">
+                      <a:noFill/>
+                      <a:prstDash val="solid"/>
+                    </a:lnBlToTr>
                     <a:solidFill>
                       <a:srgbClr val="AE615E"/>
                     </a:solidFill>
@@ -5673,6 +6351,26 @@
                     </a:p>
                   </a:txBody>
                   <a:tcPr marL="55721" marR="55721" marT="0" marB="0" anchor="ctr">
+                    <a:lnL w="12700" cmpd="sng">
+                      <a:noFill/>
+                    </a:lnL>
+                    <a:lnR w="12700" cmpd="sng">
+                      <a:noFill/>
+                    </a:lnR>
+                    <a:lnT w="12700" cmpd="sng">
+                      <a:noFill/>
+                    </a:lnT>
+                    <a:lnB w="12700" cmpd="sng">
+                      <a:noFill/>
+                    </a:lnB>
+                    <a:lnTlToBr w="12700" cmpd="sng">
+                      <a:noFill/>
+                      <a:prstDash val="solid"/>
+                    </a:lnTlToBr>
+                    <a:lnBlToTr w="12700" cmpd="sng">
+                      <a:noFill/>
+                      <a:prstDash val="solid"/>
+                    </a:lnBlToTr>
                     <a:solidFill>
                       <a:srgbClr val="C98E8B"/>
                     </a:solidFill>
@@ -5737,6 +6435,26 @@
                     </a:p>
                   </a:txBody>
                   <a:tcPr marL="55721" marR="55721" marT="0" marB="0" anchor="ctr">
+                    <a:lnL w="12700" cmpd="sng">
+                      <a:noFill/>
+                    </a:lnL>
+                    <a:lnR w="12700" cmpd="sng">
+                      <a:noFill/>
+                    </a:lnR>
+                    <a:lnT w="12700" cmpd="sng">
+                      <a:noFill/>
+                    </a:lnT>
+                    <a:lnB w="12700" cmpd="sng">
+                      <a:noFill/>
+                    </a:lnB>
+                    <a:lnTlToBr w="12700" cmpd="sng">
+                      <a:noFill/>
+                      <a:prstDash val="solid"/>
+                    </a:lnTlToBr>
+                    <a:lnBlToTr w="12700" cmpd="sng">
+                      <a:noFill/>
+                      <a:prstDash val="solid"/>
+                    </a:lnBlToTr>
                     <a:solidFill>
                       <a:srgbClr val="ECCDCA"/>
                     </a:solidFill>
@@ -5789,6 +6507,26 @@
                     </a:p>
                   </a:txBody>
                   <a:tcPr marL="55721" marR="55721" marT="0" marB="0" anchor="ctr">
+                    <a:lnL w="12700" cmpd="sng">
+                      <a:noFill/>
+                    </a:lnL>
+                    <a:lnR w="12700" cmpd="sng">
+                      <a:noFill/>
+                    </a:lnR>
+                    <a:lnT w="12700" cmpd="sng">
+                      <a:noFill/>
+                    </a:lnT>
+                    <a:lnB w="12700" cmpd="sng">
+                      <a:noFill/>
+                    </a:lnB>
+                    <a:lnTlToBr w="12700" cmpd="sng">
+                      <a:noFill/>
+                      <a:prstDash val="solid"/>
+                    </a:lnTlToBr>
+                    <a:lnBlToTr w="12700" cmpd="sng">
+                      <a:noFill/>
+                      <a:prstDash val="solid"/>
+                    </a:lnBlToTr>
                     <a:solidFill>
                       <a:srgbClr val="FDEDEA"/>
                     </a:solidFill>

--- a/PRIME/06_timeschedule_CNussbaum.pptx
+++ b/PRIME/06_timeschedule_CNussbaum.pptx
@@ -197,7 +197,7 @@
           <a:p>
             <a:fld id="{B061A044-314D-4329-9682-F6176F300576}" type="datetimeFigureOut">
               <a:rPr lang="en-US" smtClean="0"/>
-              <a:t>7/25/2025</a:t>
+              <a:t>8/4/2025</a:t>
             </a:fld>
             <a:endParaRPr lang="en-US"/>
           </a:p>
@@ -698,7 +698,7 @@
           <a:p>
             <a:fld id="{7733AE6D-9644-4FC2-AE05-59B9DC610BB8}" type="datetimeFigureOut">
               <a:rPr lang="en-US" smtClean="0"/>
-              <a:t>7/25/2025</a:t>
+              <a:t>8/4/2025</a:t>
             </a:fld>
             <a:endParaRPr lang="en-US"/>
           </a:p>
@@ -898,7 +898,7 @@
           <a:p>
             <a:fld id="{7733AE6D-9644-4FC2-AE05-59B9DC610BB8}" type="datetimeFigureOut">
               <a:rPr lang="en-US" smtClean="0"/>
-              <a:t>7/25/2025</a:t>
+              <a:t>8/4/2025</a:t>
             </a:fld>
             <a:endParaRPr lang="en-US"/>
           </a:p>
@@ -1108,7 +1108,7 @@
           <a:p>
             <a:fld id="{7733AE6D-9644-4FC2-AE05-59B9DC610BB8}" type="datetimeFigureOut">
               <a:rPr lang="en-US" smtClean="0"/>
-              <a:t>7/25/2025</a:t>
+              <a:t>8/4/2025</a:t>
             </a:fld>
             <a:endParaRPr lang="en-US"/>
           </a:p>
@@ -1308,7 +1308,7 @@
           <a:p>
             <a:fld id="{7733AE6D-9644-4FC2-AE05-59B9DC610BB8}" type="datetimeFigureOut">
               <a:rPr lang="en-US" smtClean="0"/>
-              <a:t>7/25/2025</a:t>
+              <a:t>8/4/2025</a:t>
             </a:fld>
             <a:endParaRPr lang="en-US"/>
           </a:p>
@@ -1584,7 +1584,7 @@
           <a:p>
             <a:fld id="{7733AE6D-9644-4FC2-AE05-59B9DC610BB8}" type="datetimeFigureOut">
               <a:rPr lang="en-US" smtClean="0"/>
-              <a:t>7/25/2025</a:t>
+              <a:t>8/4/2025</a:t>
             </a:fld>
             <a:endParaRPr lang="en-US"/>
           </a:p>
@@ -1852,7 +1852,7 @@
           <a:p>
             <a:fld id="{7733AE6D-9644-4FC2-AE05-59B9DC610BB8}" type="datetimeFigureOut">
               <a:rPr lang="en-US" smtClean="0"/>
-              <a:t>7/25/2025</a:t>
+              <a:t>8/4/2025</a:t>
             </a:fld>
             <a:endParaRPr lang="en-US"/>
           </a:p>
@@ -2267,7 +2267,7 @@
           <a:p>
             <a:fld id="{7733AE6D-9644-4FC2-AE05-59B9DC610BB8}" type="datetimeFigureOut">
               <a:rPr lang="en-US" smtClean="0"/>
-              <a:t>7/25/2025</a:t>
+              <a:t>8/4/2025</a:t>
             </a:fld>
             <a:endParaRPr lang="en-US"/>
           </a:p>
@@ -2409,7 +2409,7 @@
           <a:p>
             <a:fld id="{7733AE6D-9644-4FC2-AE05-59B9DC610BB8}" type="datetimeFigureOut">
               <a:rPr lang="en-US" smtClean="0"/>
-              <a:t>7/25/2025</a:t>
+              <a:t>8/4/2025</a:t>
             </a:fld>
             <a:endParaRPr lang="en-US"/>
           </a:p>
@@ -2522,7 +2522,7 @@
           <a:p>
             <a:fld id="{7733AE6D-9644-4FC2-AE05-59B9DC610BB8}" type="datetimeFigureOut">
               <a:rPr lang="en-US" smtClean="0"/>
-              <a:t>7/25/2025</a:t>
+              <a:t>8/4/2025</a:t>
             </a:fld>
             <a:endParaRPr lang="en-US"/>
           </a:p>
@@ -2835,7 +2835,7 @@
           <a:p>
             <a:fld id="{7733AE6D-9644-4FC2-AE05-59B9DC610BB8}" type="datetimeFigureOut">
               <a:rPr lang="en-US" smtClean="0"/>
-              <a:t>7/25/2025</a:t>
+              <a:t>8/4/2025</a:t>
             </a:fld>
             <a:endParaRPr lang="en-US"/>
           </a:p>
@@ -3124,7 +3124,7 @@
           <a:p>
             <a:fld id="{7733AE6D-9644-4FC2-AE05-59B9DC610BB8}" type="datetimeFigureOut">
               <a:rPr lang="en-US" smtClean="0"/>
-              <a:t>7/25/2025</a:t>
+              <a:t>8/4/2025</a:t>
             </a:fld>
             <a:endParaRPr lang="en-US"/>
           </a:p>
@@ -3367,7 +3367,7 @@
           <a:p>
             <a:fld id="{7733AE6D-9644-4FC2-AE05-59B9DC610BB8}" type="datetimeFigureOut">
               <a:rPr lang="en-US" smtClean="0"/>
-              <a:t>7/25/2025</a:t>
+              <a:t>8/4/2025</a:t>
             </a:fld>
             <a:endParaRPr lang="en-US"/>
           </a:p>
@@ -3800,14 +3800,14 @@
             <p:ph idx="1"/>
             <p:extLst>
               <p:ext uri="{D42A27DB-BD31-4B8C-83A1-F6EECF244321}">
-                <p14:modId xmlns:p14="http://schemas.microsoft.com/office/powerpoint/2010/main" val="3206246483"/>
+                <p14:modId xmlns:p14="http://schemas.microsoft.com/office/powerpoint/2010/main" val="2584464784"/>
               </p:ext>
             </p:extLst>
           </p:nvPr>
         </p:nvGraphicFramePr>
         <p:xfrm>
           <a:off x="540698" y="1337372"/>
-          <a:ext cx="8824603" cy="3906652"/>
+          <a:ext cx="8824603" cy="4086865"/>
         </p:xfrm>
         <a:graphic>
           <a:graphicData uri="http://schemas.openxmlformats.org/drawingml/2006/table">
@@ -4615,7 +4615,7 @@
                   </a:ext>
                 </a:extLst>
               </a:tr>
-              <a:tr h="930648">
+              <a:tr h="822569">
                 <a:tc>
                   <a:txBody>
                     <a:bodyPr/>

--- a/PRIME/06_timeschedule_CNussbaum.pptx
+++ b/PRIME/06_timeschedule_CNussbaum.pptx
@@ -197,7 +197,7 @@
           <a:p>
             <a:fld id="{B061A044-314D-4329-9682-F6176F300576}" type="datetimeFigureOut">
               <a:rPr lang="en-US" smtClean="0"/>
-              <a:t>8/4/2025</a:t>
+              <a:t>8/12/2025</a:t>
             </a:fld>
             <a:endParaRPr lang="en-US"/>
           </a:p>
@@ -698,7 +698,7 @@
           <a:p>
             <a:fld id="{7733AE6D-9644-4FC2-AE05-59B9DC610BB8}" type="datetimeFigureOut">
               <a:rPr lang="en-US" smtClean="0"/>
-              <a:t>8/4/2025</a:t>
+              <a:t>8/12/2025</a:t>
             </a:fld>
             <a:endParaRPr lang="en-US"/>
           </a:p>
@@ -898,7 +898,7 @@
           <a:p>
             <a:fld id="{7733AE6D-9644-4FC2-AE05-59B9DC610BB8}" type="datetimeFigureOut">
               <a:rPr lang="en-US" smtClean="0"/>
-              <a:t>8/4/2025</a:t>
+              <a:t>8/12/2025</a:t>
             </a:fld>
             <a:endParaRPr lang="en-US"/>
           </a:p>
@@ -1108,7 +1108,7 @@
           <a:p>
             <a:fld id="{7733AE6D-9644-4FC2-AE05-59B9DC610BB8}" type="datetimeFigureOut">
               <a:rPr lang="en-US" smtClean="0"/>
-              <a:t>8/4/2025</a:t>
+              <a:t>8/12/2025</a:t>
             </a:fld>
             <a:endParaRPr lang="en-US"/>
           </a:p>
@@ -1308,7 +1308,7 @@
           <a:p>
             <a:fld id="{7733AE6D-9644-4FC2-AE05-59B9DC610BB8}" type="datetimeFigureOut">
               <a:rPr lang="en-US" smtClean="0"/>
-              <a:t>8/4/2025</a:t>
+              <a:t>8/12/2025</a:t>
             </a:fld>
             <a:endParaRPr lang="en-US"/>
           </a:p>
@@ -1584,7 +1584,7 @@
           <a:p>
             <a:fld id="{7733AE6D-9644-4FC2-AE05-59B9DC610BB8}" type="datetimeFigureOut">
               <a:rPr lang="en-US" smtClean="0"/>
-              <a:t>8/4/2025</a:t>
+              <a:t>8/12/2025</a:t>
             </a:fld>
             <a:endParaRPr lang="en-US"/>
           </a:p>
@@ -1852,7 +1852,7 @@
           <a:p>
             <a:fld id="{7733AE6D-9644-4FC2-AE05-59B9DC610BB8}" type="datetimeFigureOut">
               <a:rPr lang="en-US" smtClean="0"/>
-              <a:t>8/4/2025</a:t>
+              <a:t>8/12/2025</a:t>
             </a:fld>
             <a:endParaRPr lang="en-US"/>
           </a:p>
@@ -2267,7 +2267,7 @@
           <a:p>
             <a:fld id="{7733AE6D-9644-4FC2-AE05-59B9DC610BB8}" type="datetimeFigureOut">
               <a:rPr lang="en-US" smtClean="0"/>
-              <a:t>8/4/2025</a:t>
+              <a:t>8/12/2025</a:t>
             </a:fld>
             <a:endParaRPr lang="en-US"/>
           </a:p>
@@ -2409,7 +2409,7 @@
           <a:p>
             <a:fld id="{7733AE6D-9644-4FC2-AE05-59B9DC610BB8}" type="datetimeFigureOut">
               <a:rPr lang="en-US" smtClean="0"/>
-              <a:t>8/4/2025</a:t>
+              <a:t>8/12/2025</a:t>
             </a:fld>
             <a:endParaRPr lang="en-US"/>
           </a:p>
@@ -2522,7 +2522,7 @@
           <a:p>
             <a:fld id="{7733AE6D-9644-4FC2-AE05-59B9DC610BB8}" type="datetimeFigureOut">
               <a:rPr lang="en-US" smtClean="0"/>
-              <a:t>8/4/2025</a:t>
+              <a:t>8/12/2025</a:t>
             </a:fld>
             <a:endParaRPr lang="en-US"/>
           </a:p>
@@ -2835,7 +2835,7 @@
           <a:p>
             <a:fld id="{7733AE6D-9644-4FC2-AE05-59B9DC610BB8}" type="datetimeFigureOut">
               <a:rPr lang="en-US" smtClean="0"/>
-              <a:t>8/4/2025</a:t>
+              <a:t>8/12/2025</a:t>
             </a:fld>
             <a:endParaRPr lang="en-US"/>
           </a:p>
@@ -3124,7 +3124,7 @@
           <a:p>
             <a:fld id="{7733AE6D-9644-4FC2-AE05-59B9DC610BB8}" type="datetimeFigureOut">
               <a:rPr lang="en-US" smtClean="0"/>
-              <a:t>8/4/2025</a:t>
+              <a:t>8/12/2025</a:t>
             </a:fld>
             <a:endParaRPr lang="en-US"/>
           </a:p>
@@ -3367,7 +3367,7 @@
           <a:p>
             <a:fld id="{7733AE6D-9644-4FC2-AE05-59B9DC610BB8}" type="datetimeFigureOut">
               <a:rPr lang="en-US" smtClean="0"/>
-              <a:t>8/4/2025</a:t>
+              <a:t>8/12/2025</a:t>
             </a:fld>
             <a:endParaRPr lang="en-US"/>
           </a:p>
@@ -3800,14 +3800,14 @@
             <p:ph idx="1"/>
             <p:extLst>
               <p:ext uri="{D42A27DB-BD31-4B8C-83A1-F6EECF244321}">
-                <p14:modId xmlns:p14="http://schemas.microsoft.com/office/powerpoint/2010/main" val="2584464784"/>
+                <p14:modId xmlns:p14="http://schemas.microsoft.com/office/powerpoint/2010/main" val="262131809"/>
               </p:ext>
             </p:extLst>
           </p:nvPr>
         </p:nvGraphicFramePr>
         <p:xfrm>
           <a:off x="540698" y="1337372"/>
-          <a:ext cx="8824603" cy="4086865"/>
+          <a:ext cx="8824603" cy="3906652"/>
         </p:xfrm>
         <a:graphic>
           <a:graphicData uri="http://schemas.openxmlformats.org/drawingml/2006/table">
@@ -4773,7 +4773,7 @@
                         <a:rPr lang="en-US" sz="1000" kern="100" dirty="0">
                           <a:effectLst/>
                         </a:rPr>
-                        <a:t>Study design </a:t>
+                        <a:t>Study design, </a:t>
                       </a:r>
                       <a:endParaRPr lang="de-DE" sz="1000" kern="100" dirty="0">
                         <a:effectLst/>
@@ -4792,7 +4792,7 @@
                         <a:rPr lang="en-US" sz="1000" kern="100" dirty="0">
                           <a:effectLst/>
                         </a:rPr>
-                        <a:t>Voice stimuli  </a:t>
+                        <a:t>Voice stimuli,  </a:t>
                       </a:r>
                       <a:endParaRPr lang="de-DE" sz="1000" kern="100" dirty="0">
                         <a:effectLst/>
@@ -6402,7 +6402,7 @@
                         <a:rPr lang="en-US" sz="1000" kern="100" dirty="0">
                           <a:effectLst/>
                         </a:rPr>
-                        <a:t>Data analysis</a:t>
+                        <a:t>Data analysis,</a:t>
                       </a:r>
                       <a:endParaRPr lang="de-DE" sz="1000" kern="100" dirty="0">
                         <a:effectLst/>
@@ -6477,7 +6477,7 @@
                         <a:rPr lang="en-US" sz="1000" kern="100" dirty="0">
                           <a:effectLst/>
                         </a:rPr>
-                        <a:t> Submission</a:t>
+                        <a:t> Submission,</a:t>
                       </a:r>
                     </a:p>
                     <a:p>
@@ -6582,9 +6582,6 @@
             </a:pPr>
             <a:r>
               <a:rPr lang="en-US" b="1" kern="100" dirty="0">
-                <a:solidFill>
-                  <a:srgbClr val="0F4761"/>
-                </a:solidFill>
                 <a:latin typeface="Calibri" panose="020F0502020204030204" pitchFamily="34" charset="0"/>
                 <a:ea typeface="Times New Roman" panose="02020603050405020304" pitchFamily="18" charset="0"/>
                 <a:cs typeface="Times New Roman" panose="02020603050405020304" pitchFamily="18" charset="0"/>
@@ -6593,9 +6590,6 @@
             </a:r>
             <a:br>
               <a:rPr lang="en-US" b="1" kern="100" dirty="0">
-                <a:solidFill>
-                  <a:srgbClr val="0F4761"/>
-                </a:solidFill>
                 <a:latin typeface="Calibri" panose="020F0502020204030204" pitchFamily="34" charset="0"/>
                 <a:ea typeface="Times New Roman" panose="02020603050405020304" pitchFamily="18" charset="0"/>
                 <a:cs typeface="Times New Roman" panose="02020603050405020304" pitchFamily="18" charset="0"/>
@@ -6603,9 +6597,6 @@
             </a:br>
             <a:r>
               <a:rPr lang="en-US" b="1" kern="100" dirty="0">
-                <a:solidFill>
-                  <a:srgbClr val="0F4761"/>
-                </a:solidFill>
                 <a:latin typeface="Calibri" panose="020F0502020204030204" pitchFamily="34" charset="0"/>
                 <a:ea typeface="Times New Roman" panose="02020603050405020304" pitchFamily="18" charset="0"/>
                 <a:cs typeface="Times New Roman" panose="02020603050405020304" pitchFamily="18" charset="0"/>
@@ -6613,9 +6604,6 @@
               <a:t>variability and flexibility in the perception of synthetic voices</a:t>
             </a:r>
             <a:endParaRPr lang="de-DE" sz="1600" b="1" kern="100" dirty="0">
-              <a:solidFill>
-                <a:srgbClr val="0F4761"/>
-              </a:solidFill>
               <a:latin typeface="Aptos Display"/>
               <a:ea typeface="Times New Roman" panose="02020603050405020304" pitchFamily="18" charset="0"/>
               <a:cs typeface="Times New Roman" panose="02020603050405020304" pitchFamily="18" charset="0"/>
@@ -6627,7 +6615,7 @@
                 <a:latin typeface="Calibri" panose="020F0502020204030204" pitchFamily="34" charset="0"/>
                 <a:ea typeface="Aptos" panose="02110004020202020204"/>
               </a:rPr>
-              <a:t>Research Project  - Time schedule</a:t>
+              <a:t>PIME Research Project  - Time schedule</a:t>
             </a:r>
             <a:endParaRPr lang="de-DE" dirty="0"/>
           </a:p>
@@ -6678,7 +6666,7 @@
                 <a:latin typeface="Calibri" panose="020F0502020204030204" pitchFamily="34" charset="0"/>
                 <a:ea typeface="Aptos" panose="02110004020202020204"/>
               </a:rPr>
-              <a:t>Date of Submission: 15.08.2025</a:t>
+              <a:t>Date of Submission: 12.08.2025</a:t>
             </a:r>
             <a:br>
               <a:rPr lang="en-US" sz="1200" dirty="0">
